--- a/HC_DB_Analyses/HC_DB_EIMetrics/ParameterDistribution.pptx
+++ b/HC_DB_Analyses/HC_DB_EIMetrics/ParameterDistribution.pptx
@@ -208,7 +208,7 @@
           <a:p>
             <a:fld id="{767DAEA1-967D-4ACD-89D4-B5AB51550092}" type="datetimeFigureOut">
               <a:rPr lang="en-US" smtClean="0"/>
-              <a:t>10/21/17</a:t>
+              <a:t>5/13/18</a:t>
             </a:fld>
             <a:endParaRPr lang="en-US"/>
           </a:p>
@@ -746,7 +746,7 @@
           <a:p>
             <a:fld id="{07CFCC3F-9C50-4357-A512-F047B52B42A6}" type="datetimeFigureOut">
               <a:rPr lang="en-US" smtClean="0"/>
-              <a:t>10/21/17</a:t>
+              <a:t>5/13/18</a:t>
             </a:fld>
             <a:endParaRPr lang="en-US"/>
           </a:p>
@@ -916,7 +916,7 @@
           <a:p>
             <a:fld id="{07CFCC3F-9C50-4357-A512-F047B52B42A6}" type="datetimeFigureOut">
               <a:rPr lang="en-US" smtClean="0"/>
-              <a:t>10/21/17</a:t>
+              <a:t>5/13/18</a:t>
             </a:fld>
             <a:endParaRPr lang="en-US"/>
           </a:p>
@@ -1096,7 +1096,7 @@
           <a:p>
             <a:fld id="{07CFCC3F-9C50-4357-A512-F047B52B42A6}" type="datetimeFigureOut">
               <a:rPr lang="en-US" smtClean="0"/>
-              <a:t>10/21/17</a:t>
+              <a:t>5/13/18</a:t>
             </a:fld>
             <a:endParaRPr lang="en-US"/>
           </a:p>
@@ -1266,7 +1266,7 @@
           <a:p>
             <a:fld id="{07CFCC3F-9C50-4357-A512-F047B52B42A6}" type="datetimeFigureOut">
               <a:rPr lang="en-US" smtClean="0"/>
-              <a:t>10/21/17</a:t>
+              <a:t>5/13/18</a:t>
             </a:fld>
             <a:endParaRPr lang="en-US"/>
           </a:p>
@@ -1512,7 +1512,7 @@
           <a:p>
             <a:fld id="{07CFCC3F-9C50-4357-A512-F047B52B42A6}" type="datetimeFigureOut">
               <a:rPr lang="en-US" smtClean="0"/>
-              <a:t>10/21/17</a:t>
+              <a:t>5/13/18</a:t>
             </a:fld>
             <a:endParaRPr lang="en-US"/>
           </a:p>
@@ -1800,7 +1800,7 @@
           <a:p>
             <a:fld id="{07CFCC3F-9C50-4357-A512-F047B52B42A6}" type="datetimeFigureOut">
               <a:rPr lang="en-US" smtClean="0"/>
-              <a:t>10/21/17</a:t>
+              <a:t>5/13/18</a:t>
             </a:fld>
             <a:endParaRPr lang="en-US"/>
           </a:p>
@@ -2227,7 +2227,7 @@
           <a:p>
             <a:fld id="{07CFCC3F-9C50-4357-A512-F047B52B42A6}" type="datetimeFigureOut">
               <a:rPr lang="en-US" smtClean="0"/>
-              <a:t>10/21/17</a:t>
+              <a:t>5/13/18</a:t>
             </a:fld>
             <a:endParaRPr lang="en-US"/>
           </a:p>
@@ -2345,7 +2345,7 @@
           <a:p>
             <a:fld id="{07CFCC3F-9C50-4357-A512-F047B52B42A6}" type="datetimeFigureOut">
               <a:rPr lang="en-US" smtClean="0"/>
-              <a:t>10/21/17</a:t>
+              <a:t>5/13/18</a:t>
             </a:fld>
             <a:endParaRPr lang="en-US"/>
           </a:p>
@@ -2440,7 +2440,7 @@
           <a:p>
             <a:fld id="{07CFCC3F-9C50-4357-A512-F047B52B42A6}" type="datetimeFigureOut">
               <a:rPr lang="en-US" smtClean="0"/>
-              <a:t>10/21/17</a:t>
+              <a:t>5/13/18</a:t>
             </a:fld>
             <a:endParaRPr lang="en-US"/>
           </a:p>
@@ -2717,7 +2717,7 @@
           <a:p>
             <a:fld id="{07CFCC3F-9C50-4357-A512-F047B52B42A6}" type="datetimeFigureOut">
               <a:rPr lang="en-US" smtClean="0"/>
-              <a:t>10/21/17</a:t>
+              <a:t>5/13/18</a:t>
             </a:fld>
             <a:endParaRPr lang="en-US"/>
           </a:p>
@@ -2970,7 +2970,7 @@
           <a:p>
             <a:fld id="{07CFCC3F-9C50-4357-A512-F047B52B42A6}" type="datetimeFigureOut">
               <a:rPr lang="en-US" smtClean="0"/>
-              <a:t>10/21/17</a:t>
+              <a:t>5/13/18</a:t>
             </a:fld>
             <a:endParaRPr lang="en-US"/>
           </a:p>
@@ -3183,7 +3183,7 @@
           <a:p>
             <a:fld id="{07CFCC3F-9C50-4357-A512-F047B52B42A6}" type="datetimeFigureOut">
               <a:rPr lang="en-US" smtClean="0"/>
-              <a:t>10/21/17</a:t>
+              <a:t>5/13/18</a:t>
             </a:fld>
             <a:endParaRPr lang="en-US"/>
           </a:p>
@@ -3560,9 +3560,9 @@
       </p:grpSpPr>
       <p:pic>
         <p:nvPicPr>
-          <p:cNvPr id="42" name="Picture 2" descr="E:\Resilio Sync\SkinnerLab\Usages\HC_DB_Analyses\HC_DB_EIMetrics\SDprox1\SDprox1_E_COM_I_COM_NumExcHist.png"/>
+          <p:cNvPr id="11" name="Picture 10"/>
           <p:cNvPicPr>
-            <a:picLocks noChangeAspect="1" noChangeArrowheads="1"/>
+            <a:picLocks noChangeAspect="1"/>
           </p:cNvPicPr>
           <p:nvPr/>
         </p:nvPicPr>
@@ -3574,36 +3574,25 @@
               </a:ext>
             </a:extLst>
           </a:blip>
-          <a:srcRect/>
           <a:stretch>
             <a:fillRect/>
           </a:stretch>
         </p:blipFill>
-        <p:spPr bwMode="auto">
-          <a:xfrm>
-            <a:off x="773217" y="350837"/>
-            <a:ext cx="7021401" cy="5173663"/>
+        <p:spPr>
+          <a:xfrm>
+            <a:off x="14666210" y="5530903"/>
+            <a:ext cx="7049214" cy="5204118"/>
           </a:xfrm>
           <a:prstGeom prst="rect">
             <a:avLst/>
           </a:prstGeom>
-          <a:noFill/>
-          <a:extLst>
-            <a:ext uri="{909E8E84-426E-40DD-AFC4-6F175D3DCCD1}">
-              <a14:hiddenFill xmlns:a14="http://schemas.microsoft.com/office/drawing/2010/main">
-                <a:solidFill>
-                  <a:srgbClr val="FFFFFF"/>
-                </a:solidFill>
-              </a14:hiddenFill>
-            </a:ext>
-          </a:extLst>
         </p:spPr>
       </p:pic>
       <p:pic>
         <p:nvPicPr>
-          <p:cNvPr id="43" name="Picture 3" descr="E:\Resilio Sync\SkinnerLab\Usages\HC_DB_Analyses\HC_DB_EIMetrics\SDprox1\SDprox1_E_COM_I_COM_NumInhHist.png"/>
+          <p:cNvPr id="9" name="Picture 8"/>
           <p:cNvPicPr>
-            <a:picLocks noChangeAspect="1" noChangeArrowheads="1"/>
+            <a:picLocks noChangeAspect="1"/>
           </p:cNvPicPr>
           <p:nvPr/>
         </p:nvPicPr>
@@ -3615,36 +3604,25 @@
               </a:ext>
             </a:extLst>
           </a:blip>
-          <a:srcRect/>
           <a:stretch>
             <a:fillRect/>
           </a:stretch>
         </p:blipFill>
-        <p:spPr bwMode="auto">
-          <a:xfrm>
-            <a:off x="7794618" y="351389"/>
-            <a:ext cx="6915231" cy="5173663"/>
+        <p:spPr>
+          <a:xfrm>
+            <a:off x="783128" y="5523947"/>
+            <a:ext cx="7018377" cy="5172673"/>
           </a:xfrm>
           <a:prstGeom prst="rect">
             <a:avLst/>
           </a:prstGeom>
-          <a:noFill/>
-          <a:extLst>
-            <a:ext uri="{909E8E84-426E-40DD-AFC4-6F175D3DCCD1}">
-              <a14:hiddenFill xmlns:a14="http://schemas.microsoft.com/office/drawing/2010/main">
-                <a:solidFill>
-                  <a:srgbClr val="FFFFFF"/>
-                </a:solidFill>
-              </a14:hiddenFill>
-            </a:ext>
-          </a:extLst>
         </p:spPr>
       </p:pic>
       <p:pic>
         <p:nvPicPr>
-          <p:cNvPr id="44" name="Picture 4" descr="E:\Resilio Sync\SkinnerLab\Usages\HC_DB_Analyses\HC_DB_EIMetrics\SDprox1\SDprox1_E_COM_I_COM_ExcRateHist.png"/>
+          <p:cNvPr id="7" name="Picture 6"/>
           <p:cNvPicPr>
-            <a:picLocks noChangeAspect="1" noChangeArrowheads="1"/>
+            <a:picLocks noChangeAspect="1"/>
           </p:cNvPicPr>
           <p:nvPr/>
         </p:nvPicPr>
@@ -3656,36 +3634,25 @@
               </a:ext>
             </a:extLst>
           </a:blip>
-          <a:srcRect/>
           <a:stretch>
             <a:fillRect/>
           </a:stretch>
         </p:blipFill>
-        <p:spPr bwMode="auto">
-          <a:xfrm>
-            <a:off x="14709849" y="350837"/>
-            <a:ext cx="7008401" cy="5173111"/>
+        <p:spPr>
+          <a:xfrm>
+            <a:off x="14715763" y="357103"/>
+            <a:ext cx="6999661" cy="5167535"/>
           </a:xfrm>
           <a:prstGeom prst="rect">
             <a:avLst/>
           </a:prstGeom>
-          <a:noFill/>
-          <a:extLst>
-            <a:ext uri="{909E8E84-426E-40DD-AFC4-6F175D3DCCD1}">
-              <a14:hiddenFill xmlns:a14="http://schemas.microsoft.com/office/drawing/2010/main">
-                <a:solidFill>
-                  <a:srgbClr val="FFFFFF"/>
-                </a:solidFill>
-              </a14:hiddenFill>
-            </a:ext>
-          </a:extLst>
         </p:spPr>
       </p:pic>
       <p:pic>
         <p:nvPicPr>
-          <p:cNvPr id="45" name="Picture 5" descr="E:\Resilio Sync\SkinnerLab\Usages\HC_DB_Analyses\HC_DB_EIMetrics\SDprox1\SDprox1_E_COM_I_COM_InhRateHist.png"/>
+          <p:cNvPr id="6" name="Picture 5"/>
           <p:cNvPicPr>
-            <a:picLocks noChangeAspect="1" noChangeArrowheads="1"/>
+            <a:picLocks noChangeAspect="1"/>
           </p:cNvPicPr>
           <p:nvPr/>
         </p:nvPicPr>
@@ -3697,36 +3664,25 @@
               </a:ext>
             </a:extLst>
           </a:blip>
-          <a:srcRect/>
           <a:stretch>
             <a:fillRect/>
           </a:stretch>
         </p:blipFill>
-        <p:spPr bwMode="auto">
-          <a:xfrm>
-            <a:off x="21718250" y="351389"/>
-            <a:ext cx="7009150" cy="5173663"/>
+        <p:spPr>
+          <a:xfrm>
+            <a:off x="7796323" y="350837"/>
+            <a:ext cx="6913526" cy="5173387"/>
           </a:xfrm>
           <a:prstGeom prst="rect">
             <a:avLst/>
           </a:prstGeom>
-          <a:noFill/>
-          <a:extLst>
-            <a:ext uri="{909E8E84-426E-40DD-AFC4-6F175D3DCCD1}">
-              <a14:hiddenFill xmlns:a14="http://schemas.microsoft.com/office/drawing/2010/main">
-                <a:solidFill>
-                  <a:srgbClr val="FFFFFF"/>
-                </a:solidFill>
-              </a14:hiddenFill>
-            </a:ext>
-          </a:extLst>
         </p:spPr>
       </p:pic>
       <p:pic>
         <p:nvPicPr>
-          <p:cNvPr id="46" name="Picture 6" descr="E:\Resilio Sync\SkinnerLab\Usages\HC_DB_Analyses\HC_DB_EIMetrics\SDprox2\SDprox2_E_COM_I_COM_NumExcHist.png"/>
+          <p:cNvPr id="10" name="Picture 9"/>
           <p:cNvPicPr>
-            <a:picLocks noChangeAspect="1" noChangeArrowheads="1"/>
+            <a:picLocks noChangeAspect="1"/>
           </p:cNvPicPr>
           <p:nvPr/>
         </p:nvPicPr>
@@ -3738,36 +3694,55 @@
               </a:ext>
             </a:extLst>
           </a:blip>
-          <a:srcRect/>
           <a:stretch>
             <a:fillRect/>
           </a:stretch>
         </p:blipFill>
-        <p:spPr bwMode="auto">
-          <a:xfrm>
-            <a:off x="773217" y="5523948"/>
-            <a:ext cx="7021401" cy="5173663"/>
+        <p:spPr>
+          <a:xfrm>
+            <a:off x="7778553" y="5523946"/>
+            <a:ext cx="6900816" cy="5172673"/>
+          </a:xfrm>
+          <a:prstGeom prst="rect">
+            <a:avLst/>
+          </a:prstGeom>
+        </p:spPr>
+      </p:pic>
+      <p:sp>
+        <p:nvSpPr>
+          <p:cNvPr id="2" name="TextBox 1"/>
+          <p:cNvSpPr txBox="1"/>
+          <p:nvPr/>
+        </p:nvSpPr>
+        <p:spPr>
+          <a:xfrm rot="16200000">
+            <a:off x="-731962" y="2179763"/>
+            <a:ext cx="2310312" cy="846386"/>
           </a:xfrm>
           <a:prstGeom prst="rect">
             <a:avLst/>
           </a:prstGeom>
           <a:noFill/>
-          <a:extLst>
-            <a:ext uri="{909E8E84-426E-40DD-AFC4-6F175D3DCCD1}">
-              <a14:hiddenFill xmlns:a14="http://schemas.microsoft.com/office/drawing/2010/main">
-                <a:solidFill>
-                  <a:srgbClr val="FFFFFF"/>
-                </a:solidFill>
-              </a14:hiddenFill>
-            </a:ext>
-          </a:extLst>
-        </p:spPr>
-      </p:pic>
+        </p:spPr>
+        <p:txBody>
+          <a:bodyPr wrap="none" rtlCol="0">
+            <a:spAutoFit/>
+          </a:bodyPr>
+          <a:lstStyle/>
+          <a:p>
+            <a:r>
+              <a:rPr lang="en-US" dirty="0" smtClean="0"/>
+              <a:t>SDprox1</a:t>
+            </a:r>
+            <a:endParaRPr lang="en-US" dirty="0"/>
+          </a:p>
+        </p:txBody>
+      </p:sp>
       <p:pic>
         <p:nvPicPr>
-          <p:cNvPr id="47" name="Picture 7" descr="E:\Resilio Sync\SkinnerLab\Usages\HC_DB_Analyses\HC_DB_EIMetrics\SDprox2\SDprox2_E_COM_I_COM_NumInhHist.png"/>
+          <p:cNvPr id="12" name="Picture 11"/>
           <p:cNvPicPr>
-            <a:picLocks noChangeAspect="1" noChangeArrowheads="1"/>
+            <a:picLocks noChangeAspect="1"/>
           </p:cNvPicPr>
           <p:nvPr/>
         </p:nvPicPr>
@@ -3779,36 +3754,25 @@
               </a:ext>
             </a:extLst>
           </a:blip>
-          <a:srcRect/>
           <a:stretch>
             <a:fillRect/>
           </a:stretch>
         </p:blipFill>
-        <p:spPr bwMode="auto">
-          <a:xfrm>
-            <a:off x="7794618" y="5525052"/>
-            <a:ext cx="6915231" cy="5182844"/>
+        <p:spPr>
+          <a:xfrm>
+            <a:off x="21715424" y="5530903"/>
+            <a:ext cx="6972810" cy="5147712"/>
           </a:xfrm>
           <a:prstGeom prst="rect">
             <a:avLst/>
           </a:prstGeom>
-          <a:noFill/>
-          <a:extLst>
-            <a:ext uri="{909E8E84-426E-40DD-AFC4-6F175D3DCCD1}">
-              <a14:hiddenFill xmlns:a14="http://schemas.microsoft.com/office/drawing/2010/main">
-                <a:solidFill>
-                  <a:srgbClr val="FFFFFF"/>
-                </a:solidFill>
-              </a14:hiddenFill>
-            </a:ext>
-          </a:extLst>
         </p:spPr>
       </p:pic>
       <p:pic>
         <p:nvPicPr>
-          <p:cNvPr id="48" name="Picture 8" descr="E:\Resilio Sync\SkinnerLab\Usages\HC_DB_Analyses\HC_DB_EIMetrics\SDprox2\SDprox2_E_COM_I_COM_ExcRateHist.png"/>
+          <p:cNvPr id="8" name="Picture 7"/>
           <p:cNvPicPr>
-            <a:picLocks noChangeAspect="1" noChangeArrowheads="1"/>
+            <a:picLocks noChangeAspect="1"/>
           </p:cNvPicPr>
           <p:nvPr/>
         </p:nvPicPr>
@@ -3820,102 +3784,20 @@
               </a:ext>
             </a:extLst>
           </a:blip>
-          <a:srcRect/>
           <a:stretch>
             <a:fillRect/>
           </a:stretch>
         </p:blipFill>
-        <p:spPr bwMode="auto">
-          <a:xfrm>
-            <a:off x="14709849" y="5525052"/>
-            <a:ext cx="7008401" cy="5173111"/>
+        <p:spPr>
+          <a:xfrm>
+            <a:off x="21688573" y="350838"/>
+            <a:ext cx="7008429" cy="5174008"/>
           </a:xfrm>
           <a:prstGeom prst="rect">
             <a:avLst/>
           </a:prstGeom>
-          <a:noFill/>
-          <a:extLst>
-            <a:ext uri="{909E8E84-426E-40DD-AFC4-6F175D3DCCD1}">
-              <a14:hiddenFill xmlns:a14="http://schemas.microsoft.com/office/drawing/2010/main">
-                <a:solidFill>
-                  <a:srgbClr val="FFFFFF"/>
-                </a:solidFill>
-              </a14:hiddenFill>
-            </a:ext>
-          </a:extLst>
         </p:spPr>
       </p:pic>
-      <p:pic>
-        <p:nvPicPr>
-          <p:cNvPr id="49" name="Picture 9" descr="E:\Resilio Sync\SkinnerLab\Usages\HC_DB_Analyses\HC_DB_EIMetrics\SDprox2\SDprox2_E_COM_I_COM_InhRateHist.png"/>
-          <p:cNvPicPr>
-            <a:picLocks noChangeAspect="1" noChangeArrowheads="1"/>
-          </p:cNvPicPr>
-          <p:nvPr/>
-        </p:nvPicPr>
-        <p:blipFill>
-          <a:blip r:embed="rId10">
-            <a:extLst>
-              <a:ext uri="{28A0092B-C50C-407E-A947-70E740481C1C}">
-                <a14:useLocalDpi xmlns:a14="http://schemas.microsoft.com/office/drawing/2010/main" val="0"/>
-              </a:ext>
-            </a:extLst>
-          </a:blip>
-          <a:srcRect/>
-          <a:stretch>
-            <a:fillRect/>
-          </a:stretch>
-        </p:blipFill>
-        <p:spPr bwMode="auto">
-          <a:xfrm>
-            <a:off x="21718250" y="5525052"/>
-            <a:ext cx="7009150" cy="5173663"/>
-          </a:xfrm>
-          <a:prstGeom prst="rect">
-            <a:avLst/>
-          </a:prstGeom>
-          <a:noFill/>
-          <a:extLst>
-            <a:ext uri="{909E8E84-426E-40DD-AFC4-6F175D3DCCD1}">
-              <a14:hiddenFill xmlns:a14="http://schemas.microsoft.com/office/drawing/2010/main">
-                <a:solidFill>
-                  <a:srgbClr val="FFFFFF"/>
-                </a:solidFill>
-              </a14:hiddenFill>
-            </a:ext>
-          </a:extLst>
-        </p:spPr>
-      </p:pic>
-      <p:sp>
-        <p:nvSpPr>
-          <p:cNvPr id="2" name="TextBox 1"/>
-          <p:cNvSpPr txBox="1"/>
-          <p:nvPr/>
-        </p:nvSpPr>
-        <p:spPr>
-          <a:xfrm rot="16200000">
-            <a:off x="-731962" y="2179763"/>
-            <a:ext cx="2310312" cy="846386"/>
-          </a:xfrm>
-          <a:prstGeom prst="rect">
-            <a:avLst/>
-          </a:prstGeom>
-          <a:noFill/>
-        </p:spPr>
-        <p:txBody>
-          <a:bodyPr wrap="none" rtlCol="0">
-            <a:spAutoFit/>
-          </a:bodyPr>
-          <a:lstStyle/>
-          <a:p>
-            <a:r>
-              <a:rPr lang="en-US" dirty="0" smtClean="0"/>
-              <a:t>SDprox1</a:t>
-            </a:r>
-            <a:endParaRPr lang="en-US" dirty="0"/>
-          </a:p>
-        </p:txBody>
-      </p:sp>
       <p:sp>
         <p:nvSpPr>
           <p:cNvPr id="50" name="TextBox 49"/>
@@ -4090,6 +3972,36 @@
           </a:p>
         </p:txBody>
       </p:sp>
+      <p:pic>
+        <p:nvPicPr>
+          <p:cNvPr id="4" name="Picture 3"/>
+          <p:cNvPicPr>
+            <a:picLocks noChangeAspect="1"/>
+          </p:cNvPicPr>
+          <p:nvPr/>
+        </p:nvPicPr>
+        <p:blipFill>
+          <a:blip r:embed="rId10">
+            <a:extLst>
+              <a:ext uri="{28A0092B-C50C-407E-A947-70E740481C1C}">
+                <a14:useLocalDpi xmlns:a14="http://schemas.microsoft.com/office/drawing/2010/main" val="0"/>
+              </a:ext>
+            </a:extLst>
+          </a:blip>
+          <a:stretch>
+            <a:fillRect/>
+          </a:stretch>
+        </p:blipFill>
+        <p:spPr>
+          <a:xfrm>
+            <a:off x="789042" y="350837"/>
+            <a:ext cx="7018971" cy="5173111"/>
+          </a:xfrm>
+          <a:prstGeom prst="rect">
+            <a:avLst/>
+          </a:prstGeom>
+        </p:spPr>
+      </p:pic>
       <p:sp>
         <p:nvSpPr>
           <p:cNvPr id="15" name="Rectangle 14"/>
@@ -4330,6 +4242,294 @@
           </a:p>
         </p:txBody>
       </p:sp>
+      <p:cxnSp>
+        <p:nvCxnSpPr>
+          <p:cNvPr id="5" name="Straight Connector 4"/>
+          <p:cNvCxnSpPr/>
+          <p:nvPr/>
+        </p:nvCxnSpPr>
+        <p:spPr>
+          <a:xfrm>
+            <a:off x="19050000" y="1447800"/>
+            <a:ext cx="0" cy="3352800"/>
+          </a:xfrm>
+          <a:prstGeom prst="line">
+            <a:avLst/>
+          </a:prstGeom>
+          <a:ln w="38100">
+            <a:solidFill>
+              <a:srgbClr val="FF0000"/>
+            </a:solidFill>
+            <a:prstDash val="dash"/>
+          </a:ln>
+        </p:spPr>
+        <p:style>
+          <a:lnRef idx="1">
+            <a:schemeClr val="accent1"/>
+          </a:lnRef>
+          <a:fillRef idx="0">
+            <a:schemeClr val="accent1"/>
+          </a:fillRef>
+          <a:effectRef idx="0">
+            <a:schemeClr val="accent1"/>
+          </a:effectRef>
+          <a:fontRef idx="minor">
+            <a:schemeClr val="tx1"/>
+          </a:fontRef>
+        </p:style>
+      </p:cxnSp>
+      <p:cxnSp>
+        <p:nvCxnSpPr>
+          <p:cNvPr id="22" name="Straight Connector 21"/>
+          <p:cNvCxnSpPr/>
+          <p:nvPr/>
+        </p:nvCxnSpPr>
+        <p:spPr>
+          <a:xfrm>
+            <a:off x="19047542" y="6629400"/>
+            <a:ext cx="0" cy="3352800"/>
+          </a:xfrm>
+          <a:prstGeom prst="line">
+            <a:avLst/>
+          </a:prstGeom>
+          <a:ln w="38100">
+            <a:solidFill>
+              <a:srgbClr val="FF0000"/>
+            </a:solidFill>
+            <a:prstDash val="dash"/>
+          </a:ln>
+        </p:spPr>
+        <p:style>
+          <a:lnRef idx="1">
+            <a:schemeClr val="accent1"/>
+          </a:lnRef>
+          <a:fillRef idx="0">
+            <a:schemeClr val="accent1"/>
+          </a:fillRef>
+          <a:effectRef idx="0">
+            <a:schemeClr val="accent1"/>
+          </a:effectRef>
+          <a:fontRef idx="minor">
+            <a:schemeClr val="tx1"/>
+          </a:fontRef>
+        </p:style>
+      </p:cxnSp>
+      <p:cxnSp>
+        <p:nvCxnSpPr>
+          <p:cNvPr id="25" name="Straight Connector 24"/>
+          <p:cNvCxnSpPr/>
+          <p:nvPr/>
+        </p:nvCxnSpPr>
+        <p:spPr>
+          <a:xfrm>
+            <a:off x="25908000" y="1447800"/>
+            <a:ext cx="0" cy="3352800"/>
+          </a:xfrm>
+          <a:prstGeom prst="line">
+            <a:avLst/>
+          </a:prstGeom>
+          <a:ln w="38100">
+            <a:solidFill>
+              <a:srgbClr val="FF0000"/>
+            </a:solidFill>
+            <a:prstDash val="dash"/>
+          </a:ln>
+        </p:spPr>
+        <p:style>
+          <a:lnRef idx="1">
+            <a:schemeClr val="accent1"/>
+          </a:lnRef>
+          <a:fillRef idx="0">
+            <a:schemeClr val="accent1"/>
+          </a:fillRef>
+          <a:effectRef idx="0">
+            <a:schemeClr val="accent1"/>
+          </a:effectRef>
+          <a:fontRef idx="minor">
+            <a:schemeClr val="tx1"/>
+          </a:fontRef>
+        </p:style>
+      </p:cxnSp>
+      <p:cxnSp>
+        <p:nvCxnSpPr>
+          <p:cNvPr id="26" name="Straight Connector 25"/>
+          <p:cNvCxnSpPr/>
+          <p:nvPr/>
+        </p:nvCxnSpPr>
+        <p:spPr>
+          <a:xfrm>
+            <a:off x="25908000" y="6629400"/>
+            <a:ext cx="0" cy="3352800"/>
+          </a:xfrm>
+          <a:prstGeom prst="line">
+            <a:avLst/>
+          </a:prstGeom>
+          <a:ln w="38100">
+            <a:solidFill>
+              <a:srgbClr val="FF0000"/>
+            </a:solidFill>
+            <a:prstDash val="dash"/>
+          </a:ln>
+        </p:spPr>
+        <p:style>
+          <a:lnRef idx="1">
+            <a:schemeClr val="accent1"/>
+          </a:lnRef>
+          <a:fillRef idx="0">
+            <a:schemeClr val="accent1"/>
+          </a:fillRef>
+          <a:effectRef idx="0">
+            <a:schemeClr val="accent1"/>
+          </a:effectRef>
+          <a:fontRef idx="minor">
+            <a:schemeClr val="tx1"/>
+          </a:fontRef>
+        </p:style>
+      </p:cxnSp>
+      <p:cxnSp>
+        <p:nvCxnSpPr>
+          <p:cNvPr id="27" name="Straight Connector 26"/>
+          <p:cNvCxnSpPr/>
+          <p:nvPr/>
+        </p:nvCxnSpPr>
+        <p:spPr>
+          <a:xfrm>
+            <a:off x="11658600" y="1447800"/>
+            <a:ext cx="0" cy="3352800"/>
+          </a:xfrm>
+          <a:prstGeom prst="line">
+            <a:avLst/>
+          </a:prstGeom>
+          <a:ln w="38100">
+            <a:solidFill>
+              <a:srgbClr val="FF0000"/>
+            </a:solidFill>
+            <a:prstDash val="dash"/>
+          </a:ln>
+        </p:spPr>
+        <p:style>
+          <a:lnRef idx="1">
+            <a:schemeClr val="accent1"/>
+          </a:lnRef>
+          <a:fillRef idx="0">
+            <a:schemeClr val="accent1"/>
+          </a:fillRef>
+          <a:effectRef idx="0">
+            <a:schemeClr val="accent1"/>
+          </a:effectRef>
+          <a:fontRef idx="minor">
+            <a:schemeClr val="tx1"/>
+          </a:fontRef>
+        </p:style>
+      </p:cxnSp>
+      <p:cxnSp>
+        <p:nvCxnSpPr>
+          <p:cNvPr id="28" name="Straight Connector 27"/>
+          <p:cNvCxnSpPr/>
+          <p:nvPr/>
+        </p:nvCxnSpPr>
+        <p:spPr>
+          <a:xfrm>
+            <a:off x="11658600" y="6629400"/>
+            <a:ext cx="0" cy="3352800"/>
+          </a:xfrm>
+          <a:prstGeom prst="line">
+            <a:avLst/>
+          </a:prstGeom>
+          <a:ln w="38100">
+            <a:solidFill>
+              <a:srgbClr val="FF0000"/>
+            </a:solidFill>
+            <a:prstDash val="dash"/>
+          </a:ln>
+        </p:spPr>
+        <p:style>
+          <a:lnRef idx="1">
+            <a:schemeClr val="accent1"/>
+          </a:lnRef>
+          <a:fillRef idx="0">
+            <a:schemeClr val="accent1"/>
+          </a:fillRef>
+          <a:effectRef idx="0">
+            <a:schemeClr val="accent1"/>
+          </a:effectRef>
+          <a:fontRef idx="minor">
+            <a:schemeClr val="tx1"/>
+          </a:fontRef>
+        </p:style>
+      </p:cxnSp>
+      <p:cxnSp>
+        <p:nvCxnSpPr>
+          <p:cNvPr id="29" name="Straight Connector 28"/>
+          <p:cNvCxnSpPr/>
+          <p:nvPr/>
+        </p:nvCxnSpPr>
+        <p:spPr>
+          <a:xfrm>
+            <a:off x="4572000" y="1447800"/>
+            <a:ext cx="0" cy="3352800"/>
+          </a:xfrm>
+          <a:prstGeom prst="line">
+            <a:avLst/>
+          </a:prstGeom>
+          <a:ln w="38100">
+            <a:solidFill>
+              <a:srgbClr val="FF0000"/>
+            </a:solidFill>
+            <a:prstDash val="dash"/>
+          </a:ln>
+        </p:spPr>
+        <p:style>
+          <a:lnRef idx="1">
+            <a:schemeClr val="accent1"/>
+          </a:lnRef>
+          <a:fillRef idx="0">
+            <a:schemeClr val="accent1"/>
+          </a:fillRef>
+          <a:effectRef idx="0">
+            <a:schemeClr val="accent1"/>
+          </a:effectRef>
+          <a:fontRef idx="minor">
+            <a:schemeClr val="tx1"/>
+          </a:fontRef>
+        </p:style>
+      </p:cxnSp>
+      <p:cxnSp>
+        <p:nvCxnSpPr>
+          <p:cNvPr id="30" name="Straight Connector 29"/>
+          <p:cNvCxnSpPr/>
+          <p:nvPr/>
+        </p:nvCxnSpPr>
+        <p:spPr>
+          <a:xfrm>
+            <a:off x="4572000" y="6629400"/>
+            <a:ext cx="0" cy="3352800"/>
+          </a:xfrm>
+          <a:prstGeom prst="line">
+            <a:avLst/>
+          </a:prstGeom>
+          <a:ln w="38100">
+            <a:solidFill>
+              <a:srgbClr val="FF0000"/>
+            </a:solidFill>
+            <a:prstDash val="dash"/>
+          </a:ln>
+        </p:spPr>
+        <p:style>
+          <a:lnRef idx="1">
+            <a:schemeClr val="accent1"/>
+          </a:lnRef>
+          <a:fillRef idx="0">
+            <a:schemeClr val="accent1"/>
+          </a:fillRef>
+          <a:effectRef idx="0">
+            <a:schemeClr val="accent1"/>
+          </a:effectRef>
+          <a:fontRef idx="minor">
+            <a:schemeClr val="tx1"/>
+          </a:fontRef>
+        </p:style>
+      </p:cxnSp>
     </p:spTree>
     <p:extLst>
       <p:ext uri="{BB962C8B-B14F-4D97-AF65-F5344CB8AC3E}">
